--- a/Consultant_Dashboard_presentation.pptx
+++ b/Consultant_Dashboard_presentation.pptx
@@ -17140,6 +17140,7 @@
                 <a:solidFill>
                   <a:srgbClr val="97497B"/>
                 </a:solidFill>
+                <a:hlinkClick r:id="rId2"/>
               </a:rPr>
               <a:t>link</a:t>
             </a:r>
@@ -17543,7 +17544,7 @@
           <p:nvPr/>
         </p:nvPicPr>
         <p:blipFill>
-          <a:blip r:embed="rId2"/>
+          <a:blip r:embed="rId3"/>
           <a:stretch>
             <a:fillRect/>
           </a:stretch>
